--- a/EMBO_Drosophila_Course_Flight_Performance_Data_Analysis.pptx
+++ b/EMBO_Drosophila_Course_Flight_Performance_Data_Analysis.pptx
@@ -201,7 +201,7 @@
           <a:p>
             <a:fld id="{FD16637B-1C17-41EF-AA4B-63E856393CBD}" type="datetimeFigureOut">
               <a:rPr lang="en-US" smtClean="0"/>
-              <a:t>7/4/2023</a:t>
+              <a:t>7/16/2023</a:t>
             </a:fld>
             <a:endParaRPr lang="en-US"/>
           </a:p>
@@ -6982,6 +6982,102 @@
           </a:p>
         </p:txBody>
       </p:sp>
+      <p:sp>
+        <p:nvSpPr>
+          <p:cNvPr id="16" name="Multiplication Sign 15">
+            <a:extLst>
+              <a:ext uri="{FF2B5EF4-FFF2-40B4-BE49-F238E27FC236}">
+                <a16:creationId xmlns:a16="http://schemas.microsoft.com/office/drawing/2014/main" id="{8DDE1E53-DFD8-4E5B-A8C3-C92314F6AD60}"/>
+              </a:ext>
+            </a:extLst>
+          </p:cNvPr>
+          <p:cNvSpPr/>
+          <p:nvPr/>
+        </p:nvSpPr>
+        <p:spPr bwMode="auto">
+          <a:xfrm>
+            <a:off x="11077576" y="3571875"/>
+            <a:ext cx="219074" cy="257175"/>
+          </a:xfrm>
+          <a:prstGeom prst="mathMultiply">
+            <a:avLst/>
+          </a:prstGeom>
+          <a:solidFill>
+            <a:schemeClr val="tx1">
+              <a:lumMod val="60000"/>
+              <a:lumOff val="40000"/>
+            </a:schemeClr>
+          </a:solidFill>
+          <a:ln>
+            <a:solidFill>
+              <a:srgbClr val="FFFF00"/>
+            </a:solidFill>
+          </a:ln>
+        </p:spPr>
+        <p:style>
+          <a:lnRef idx="2">
+            <a:schemeClr val="accent1">
+              <a:shade val="50000"/>
+            </a:schemeClr>
+          </a:lnRef>
+          <a:fillRef idx="1">
+            <a:schemeClr val="accent1"/>
+          </a:fillRef>
+          <a:effectRef idx="0">
+            <a:schemeClr val="accent1"/>
+          </a:effectRef>
+          <a:fontRef idx="minor">
+            <a:schemeClr val="lt1"/>
+          </a:fontRef>
+        </p:style>
+        <p:txBody>
+          <a:bodyPr rtlCol="0" anchor="ctr"/>
+          <a:lstStyle/>
+          <a:p>
+            <a:pPr algn="ctr"/>
+            <a:endParaRPr lang="en-US"/>
+          </a:p>
+        </p:txBody>
+      </p:sp>
+      <p:sp>
+        <p:nvSpPr>
+          <p:cNvPr id="7" name="Rectangle 6">
+            <a:extLst>
+              <a:ext uri="{FF2B5EF4-FFF2-40B4-BE49-F238E27FC236}">
+                <a16:creationId xmlns:a16="http://schemas.microsoft.com/office/drawing/2014/main" id="{27F10B4E-5AC8-42DB-9EFE-E3A87CE2596B}"/>
+              </a:ext>
+            </a:extLst>
+          </p:cNvPr>
+          <p:cNvSpPr/>
+          <p:nvPr/>
+        </p:nvSpPr>
+        <p:spPr>
+          <a:xfrm>
+            <a:off x="-12622" y="6533129"/>
+            <a:ext cx="4588115" cy="307777"/>
+          </a:xfrm>
+          <a:prstGeom prst="rect">
+            <a:avLst/>
+          </a:prstGeom>
+        </p:spPr>
+        <p:txBody>
+          <a:bodyPr wrap="none">
+            <a:spAutoFit/>
+          </a:bodyPr>
+          <a:lstStyle/>
+          <a:p>
+            <a:r>
+              <a:rPr lang="en-GB" sz="1400" dirty="0">
+                <a:solidFill>
+                  <a:schemeClr val="lt2"/>
+                </a:solidFill>
+              </a:rPr>
+              <a:t>Images from (http://gompel.org/images-2/drosophilidae)</a:t>
+            </a:r>
+            <a:endParaRPr lang="en-US" sz="1400" dirty="0"/>
+          </a:p>
+        </p:txBody>
+      </p:sp>
     </p:spTree>
   </p:cSld>
   <p:clrMapOvr>
